--- a/ppt/js_ppt/9강. JQuery .pptx
+++ b/ppt/js_ppt/9강. JQuery .pptx
@@ -5,7 +5,7 @@
     <p:sldMasterId id="2147483648" r:id="rId1"/>
   </p:sldMasterIdLst>
   <p:notesMasterIdLst>
-    <p:notesMasterId r:id="rId29"/>
+    <p:notesMasterId r:id="rId38"/>
   </p:notesMasterIdLst>
   <p:sldIdLst>
     <p:sldId id="256" r:id="rId2"/>
@@ -31,10 +31,19 @@
     <p:sldId id="400" r:id="rId22"/>
     <p:sldId id="402" r:id="rId23"/>
     <p:sldId id="401" r:id="rId24"/>
-    <p:sldId id="436" r:id="rId25"/>
-    <p:sldId id="437" r:id="rId26"/>
-    <p:sldId id="442" r:id="rId27"/>
-    <p:sldId id="438" r:id="rId28"/>
+    <p:sldId id="444" r:id="rId25"/>
+    <p:sldId id="445" r:id="rId26"/>
+    <p:sldId id="446" r:id="rId27"/>
+    <p:sldId id="447" r:id="rId28"/>
+    <p:sldId id="448" r:id="rId29"/>
+    <p:sldId id="449" r:id="rId30"/>
+    <p:sldId id="450" r:id="rId31"/>
+    <p:sldId id="451" r:id="rId32"/>
+    <p:sldId id="452" r:id="rId33"/>
+    <p:sldId id="436" r:id="rId34"/>
+    <p:sldId id="437" r:id="rId35"/>
+    <p:sldId id="442" r:id="rId36"/>
+    <p:sldId id="438" r:id="rId37"/>
   </p:sldIdLst>
   <p:sldSz cx="9906000" cy="6858000" type="A4"/>
   <p:notesSz cx="6858000" cy="9144000"/>
@@ -234,7 +243,7 @@
           <a:p>
             <a:fld id="{7665CDAC-D627-4E87-877A-1B781DD4CADC}" type="datetimeFigureOut">
               <a:rPr lang="ko-KR" altLang="en-US" smtClean="0"/>
-              <a:t>2023-04-12</a:t>
+              <a:t>2023-07-14</a:t>
             </a:fld>
             <a:endParaRPr lang="ko-KR" altLang="en-US"/>
           </a:p>
@@ -648,7 +657,7 @@
           <a:p>
             <a:fld id="{C25BCFD5-C4DF-4EBC-B718-C69ED2FBDE6F}" type="datetime1">
               <a:rPr lang="ko-KR" altLang="en-US" smtClean="0"/>
-              <a:t>2023-04-12</a:t>
+              <a:t>2023-07-14</a:t>
             </a:fld>
             <a:endParaRPr lang="ko-KR" altLang="en-US"/>
           </a:p>
@@ -1066,7 +1075,7 @@
           <a:p>
             <a:fld id="{AB448CD7-D367-43D5-B461-ACE552E75063}" type="datetime1">
               <a:rPr lang="ko-KR" altLang="en-US" smtClean="0"/>
-              <a:t>2023-04-12</a:t>
+              <a:t>2023-07-14</a:t>
             </a:fld>
             <a:endParaRPr lang="ko-KR" altLang="en-US"/>
           </a:p>
@@ -1246,7 +1255,7 @@
           <a:p>
             <a:fld id="{B6E49E79-7361-4780-8BEF-7EDE3708298A}" type="datetime1">
               <a:rPr lang="ko-KR" altLang="en-US" smtClean="0"/>
-              <a:t>2023-04-12</a:t>
+              <a:t>2023-07-14</a:t>
             </a:fld>
             <a:endParaRPr lang="ko-KR" altLang="en-US"/>
           </a:p>
@@ -1420,7 +1429,7 @@
           <a:p>
             <a:fld id="{A4D42E3C-B70B-437C-85CF-1286301B9CBA}" type="datetime1">
               <a:rPr lang="ko-KR" altLang="en-US" smtClean="0"/>
-              <a:t>2023-04-12</a:t>
+              <a:t>2023-07-14</a:t>
             </a:fld>
             <a:endParaRPr lang="ko-KR" altLang="en-US"/>
           </a:p>
@@ -1666,7 +1675,7 @@
           <a:p>
             <a:fld id="{B3369A20-5B3D-4D98-A822-26B93D177A40}" type="datetime1">
               <a:rPr lang="ko-KR" altLang="en-US" smtClean="0"/>
-              <a:t>2023-04-12</a:t>
+              <a:t>2023-07-14</a:t>
             </a:fld>
             <a:endParaRPr lang="ko-KR" altLang="en-US"/>
           </a:p>
@@ -1954,7 +1963,7 @@
           <a:p>
             <a:fld id="{685CD4CE-9E43-4F70-A9D8-A2130CA7D92A}" type="datetime1">
               <a:rPr lang="ko-KR" altLang="en-US" smtClean="0"/>
-              <a:t>2023-04-12</a:t>
+              <a:t>2023-07-14</a:t>
             </a:fld>
             <a:endParaRPr lang="ko-KR" altLang="en-US"/>
           </a:p>
@@ -2376,7 +2385,7 @@
           <a:p>
             <a:fld id="{F752BD92-DA3E-4A0B-90C9-7DE5E15B6E96}" type="datetime1">
               <a:rPr lang="ko-KR" altLang="en-US" smtClean="0"/>
-              <a:t>2023-04-12</a:t>
+              <a:t>2023-07-14</a:t>
             </a:fld>
             <a:endParaRPr lang="ko-KR" altLang="en-US"/>
           </a:p>
@@ -2494,7 +2503,7 @@
           <a:p>
             <a:fld id="{8EA2B83A-F366-424E-B742-340ACF856BB5}" type="datetime1">
               <a:rPr lang="ko-KR" altLang="en-US" smtClean="0"/>
-              <a:t>2023-04-12</a:t>
+              <a:t>2023-07-14</a:t>
             </a:fld>
             <a:endParaRPr lang="ko-KR" altLang="en-US"/>
           </a:p>
@@ -2589,7 +2598,7 @@
           <a:p>
             <a:fld id="{9A49D68B-5DBD-48E9-A8D4-FCBC4B3DD9C6}" type="datetime1">
               <a:rPr lang="ko-KR" altLang="en-US" smtClean="0"/>
-              <a:t>2023-04-12</a:t>
+              <a:t>2023-07-14</a:t>
             </a:fld>
             <a:endParaRPr lang="ko-KR" altLang="en-US"/>
           </a:p>
@@ -2866,7 +2875,7 @@
           <a:p>
             <a:fld id="{4CAB534F-7D16-467B-9320-91F98915D181}" type="datetime1">
               <a:rPr lang="ko-KR" altLang="en-US" smtClean="0"/>
-              <a:t>2023-04-12</a:t>
+              <a:t>2023-07-14</a:t>
             </a:fld>
             <a:endParaRPr lang="ko-KR" altLang="en-US"/>
           </a:p>
@@ -3119,7 +3128,7 @@
           <a:p>
             <a:fld id="{A390A91F-2F8D-4486-A69D-D680F95444B0}" type="datetime1">
               <a:rPr lang="ko-KR" altLang="en-US" smtClean="0"/>
-              <a:t>2023-04-12</a:t>
+              <a:t>2023-07-14</a:t>
             </a:fld>
             <a:endParaRPr lang="ko-KR" altLang="en-US"/>
           </a:p>
@@ -3299,7 +3308,7 @@
           <a:p>
             <a:fld id="{2238BBEA-E8DD-414A-BF68-FC2AFA7CFF2D}" type="datetime1">
               <a:rPr lang="ko-KR" altLang="en-US" smtClean="0"/>
-              <a:t>2023-04-12</a:t>
+              <a:t>2023-07-14</a:t>
             </a:fld>
             <a:endParaRPr lang="ko-KR" altLang="en-US"/>
           </a:p>
@@ -8901,7 +8910,7 @@
         </p:blipFill>
         <p:spPr>
           <a:xfrm>
-            <a:off x="1712640" y="2564904"/>
+            <a:off x="1784648" y="2491699"/>
             <a:ext cx="2986044" cy="1029089"/>
           </a:xfrm>
           <a:prstGeom prst="rect">
@@ -8931,8 +8940,8 @@
         </p:blipFill>
         <p:spPr>
           <a:xfrm>
-            <a:off x="1384022" y="3861048"/>
-            <a:ext cx="3863675" cy="1173582"/>
+            <a:off x="1784648" y="3955808"/>
+            <a:ext cx="4478405" cy="1360305"/>
           </a:xfrm>
           <a:prstGeom prst="rect">
             <a:avLst/>
@@ -8946,9 +8955,67 @@
           </a:ln>
         </p:spPr>
       </p:pic>
+      <p:sp>
+        <p:nvSpPr>
+          <p:cNvPr id="3" name="TextBox 2"/>
+          <p:cNvSpPr txBox="1"/>
+          <p:nvPr/>
+        </p:nvSpPr>
+        <p:spPr>
+          <a:xfrm>
+            <a:off x="1352600" y="1844824"/>
+            <a:ext cx="5544616" cy="369332"/>
+          </a:xfrm>
+          <a:prstGeom prst="rect">
+            <a:avLst/>
+          </a:prstGeom>
+          <a:noFill/>
+        </p:spPr>
+        <p:txBody>
+          <a:bodyPr wrap="square" rtlCol="0">
+            <a:spAutoFit/>
+          </a:bodyPr>
+          <a:lstStyle/>
+          <a:p>
+            <a:r>
+              <a:rPr lang="ko-KR" altLang="en-US" dirty="0" smtClean="0"/>
+              <a:t>요소에 </a:t>
+            </a:r>
+            <a:r>
+              <a:rPr lang="en-US" altLang="ko-KR" dirty="0" smtClean="0"/>
+              <a:t>class </a:t>
+            </a:r>
+            <a:r>
+              <a:rPr lang="ko-KR" altLang="en-US" dirty="0" smtClean="0"/>
+              <a:t>속성을 추가</a:t>
+            </a:r>
+            <a:r>
+              <a:rPr lang="en-US" altLang="ko-KR" dirty="0" smtClean="0"/>
+              <a:t>, </a:t>
+            </a:r>
+            <a:r>
+              <a:rPr lang="ko-KR" altLang="en-US" dirty="0" smtClean="0"/>
+              <a:t>삭제</a:t>
+            </a:r>
+            <a:r>
+              <a:rPr lang="en-US" altLang="ko-KR" dirty="0" smtClean="0"/>
+              <a:t>, </a:t>
+            </a:r>
+            <a:r>
+              <a:rPr lang="ko-KR" altLang="en-US" dirty="0" err="1" smtClean="0"/>
+              <a:t>토글할</a:t>
+            </a:r>
+            <a:r>
+              <a:rPr lang="ko-KR" altLang="en-US" dirty="0" smtClean="0"/>
+              <a:t> 수 있음 </a:t>
+            </a:r>
+            <a:endParaRPr lang="ko-KR" altLang="en-US" dirty="0"/>
+          </a:p>
+        </p:txBody>
+      </p:sp>
       <p:pic>
         <p:nvPicPr>
-          <p:cNvPr id="9" name="그림 8"/>
+          <p:cNvPr id="6" name="그림 5"/>
           <p:cNvPicPr>
             <a:picLocks noChangeAspect="1"/>
           </p:cNvPicPr>
@@ -8968,102 +9035,7 @@
         </p:blipFill>
         <p:spPr>
           <a:xfrm>
-            <a:off x="5457056" y="2555043"/>
-            <a:ext cx="3871296" cy="3002540"/>
-          </a:xfrm>
-          <a:prstGeom prst="rect">
-            <a:avLst/>
-          </a:prstGeom>
-          <a:ln>
-            <a:solidFill>
-              <a:schemeClr val="bg1">
-                <a:lumMod val="85000"/>
-              </a:schemeClr>
-            </a:solidFill>
-          </a:ln>
-        </p:spPr>
-      </p:pic>
-      <p:sp>
-        <p:nvSpPr>
-          <p:cNvPr id="3" name="TextBox 2"/>
-          <p:cNvSpPr txBox="1"/>
-          <p:nvPr/>
-        </p:nvSpPr>
-        <p:spPr>
-          <a:xfrm>
-            <a:off x="1352600" y="1844824"/>
-            <a:ext cx="5544616" cy="369332"/>
-          </a:xfrm>
-          <a:prstGeom prst="rect">
-            <a:avLst/>
-          </a:prstGeom>
-          <a:noFill/>
-        </p:spPr>
-        <p:txBody>
-          <a:bodyPr wrap="square" rtlCol="0">
-            <a:spAutoFit/>
-          </a:bodyPr>
-          <a:lstStyle/>
-          <a:p>
-            <a:r>
-              <a:rPr lang="ko-KR" altLang="en-US" dirty="0" smtClean="0"/>
-              <a:t>요소에 </a:t>
-            </a:r>
-            <a:r>
-              <a:rPr lang="en-US" altLang="ko-KR" dirty="0" smtClean="0"/>
-              <a:t>class </a:t>
-            </a:r>
-            <a:r>
-              <a:rPr lang="ko-KR" altLang="en-US" dirty="0" smtClean="0"/>
-              <a:t>속성을 추가</a:t>
-            </a:r>
-            <a:r>
-              <a:rPr lang="en-US" altLang="ko-KR" dirty="0" smtClean="0"/>
-              <a:t>, </a:t>
-            </a:r>
-            <a:r>
-              <a:rPr lang="ko-KR" altLang="en-US" dirty="0" smtClean="0"/>
-              <a:t>삭제</a:t>
-            </a:r>
-            <a:r>
-              <a:rPr lang="en-US" altLang="ko-KR" dirty="0" smtClean="0"/>
-              <a:t>, </a:t>
-            </a:r>
-            <a:r>
-              <a:rPr lang="ko-KR" altLang="en-US" dirty="0" err="1" smtClean="0"/>
-              <a:t>토글할</a:t>
-            </a:r>
-            <a:r>
-              <a:rPr lang="ko-KR" altLang="en-US" dirty="0" smtClean="0"/>
-              <a:t> 수 있음 </a:t>
-            </a:r>
-            <a:endParaRPr lang="ko-KR" altLang="en-US" dirty="0"/>
-          </a:p>
-        </p:txBody>
-      </p:sp>
-      <p:pic>
-        <p:nvPicPr>
-          <p:cNvPr id="6" name="그림 5"/>
-          <p:cNvPicPr>
-            <a:picLocks noChangeAspect="1"/>
-          </p:cNvPicPr>
-          <p:nvPr/>
-        </p:nvPicPr>
-        <p:blipFill>
-          <a:blip r:embed="rId5">
-            <a:extLst>
-              <a:ext uri="{28A0092B-C50C-407E-A947-70E740481C1C}">
-                <a14:useLocalDpi xmlns:a14="http://schemas.microsoft.com/office/drawing/2010/main" val="0"/>
-              </a:ext>
-            </a:extLst>
-          </a:blip>
-          <a:stretch>
-            <a:fillRect/>
-          </a:stretch>
-        </p:blipFill>
-        <p:spPr>
-          <a:xfrm>
-            <a:off x="1384022" y="5218463"/>
+            <a:off x="6264297" y="2827264"/>
             <a:ext cx="2926334" cy="678239"/>
           </a:xfrm>
           <a:prstGeom prst="rect">
@@ -9139,8 +9111,16 @@
           <a:p>
             <a:pPr algn="ctr"/>
             <a:r>
+              <a:rPr lang="en-US" altLang="ko-KR" sz="2800" dirty="0" smtClean="0"/>
+              <a:t>class </a:t>
+            </a:r>
+            <a:r>
               <a:rPr lang="ko-KR" altLang="en-US" sz="2800" dirty="0" smtClean="0"/>
-              <a:t>아코디언 기능 구현</a:t>
+              <a:t>관련 </a:t>
+            </a:r>
+            <a:r>
+              <a:rPr lang="ko-KR" altLang="en-US" sz="2800" dirty="0" err="1" smtClean="0"/>
+              <a:t>메서드</a:t>
             </a:r>
             <a:endParaRPr lang="ko-KR" altLang="en-US" sz="2800" dirty="0"/>
           </a:p>
@@ -9171,14 +9151,14 @@
       </p:sp>
       <p:sp>
         <p:nvSpPr>
-          <p:cNvPr id="10" name="TextBox 9"/>
+          <p:cNvPr id="11" name="TextBox 10"/>
           <p:cNvSpPr txBox="1"/>
           <p:nvPr/>
         </p:nvSpPr>
         <p:spPr>
           <a:xfrm>
-            <a:off x="1136576" y="1264985"/>
-            <a:ext cx="6893334" cy="494494"/>
+            <a:off x="1300026" y="1336993"/>
+            <a:ext cx="4949118" cy="507831"/>
           </a:xfrm>
           <a:prstGeom prst="rect">
             <a:avLst/>
@@ -9197,31 +9177,36 @@
               </a:lnSpc>
             </a:pPr>
             <a:r>
-              <a:rPr lang="en-US" altLang="ko-KR" sz="2000" b="1" dirty="0" smtClean="0"/>
-              <a:t>accordion(</a:t>
-            </a:r>
-            <a:r>
-              <a:rPr lang="ko-KR" altLang="en-US" sz="2000" b="1" dirty="0" smtClean="0"/>
-              <a:t>펼치기</a:t>
-            </a:r>
-            <a:r>
-              <a:rPr lang="en-US" altLang="ko-KR" sz="2000" b="1" dirty="0" smtClean="0"/>
-              <a:t>, </a:t>
-            </a:r>
-            <a:r>
-              <a:rPr lang="ko-KR" altLang="en-US" sz="2000" b="1" dirty="0" smtClean="0"/>
-              <a:t>접기</a:t>
-            </a:r>
-            <a:r>
-              <a:rPr lang="en-US" altLang="ko-KR" sz="2000" b="1" dirty="0" smtClean="0"/>
-              <a:t>)</a:t>
-            </a:r>
+              <a:rPr lang="en-US" altLang="ko-KR" b="1" dirty="0" err="1" smtClean="0"/>
+              <a:t>addClass</a:t>
+            </a:r>
+            <a:r>
+              <a:rPr lang="en-US" altLang="ko-KR" b="1" dirty="0" smtClean="0"/>
+              <a:t>(), </a:t>
+            </a:r>
+            <a:r>
+              <a:rPr lang="en-US" altLang="ko-KR" b="1" dirty="0" err="1" smtClean="0"/>
+              <a:t>removeClass</a:t>
+            </a:r>
+            <a:r>
+              <a:rPr lang="en-US" altLang="ko-KR" b="1" dirty="0" smtClean="0"/>
+              <a:t>(), </a:t>
+            </a:r>
+            <a:r>
+              <a:rPr lang="en-US" altLang="ko-KR" b="1" dirty="0" err="1" smtClean="0"/>
+              <a:t>ToggleClass</a:t>
+            </a:r>
+            <a:r>
+              <a:rPr lang="en-US" altLang="ko-KR" b="1" dirty="0" smtClean="0"/>
+              <a:t>()</a:t>
+            </a:r>
+            <a:endParaRPr lang="en-US" altLang="ko-KR" sz="2000" b="1" dirty="0" smtClean="0"/>
           </a:p>
         </p:txBody>
       </p:sp>
       <p:pic>
         <p:nvPicPr>
-          <p:cNvPr id="6" name="그림 5"/>
+          <p:cNvPr id="9" name="그림 8"/>
           <p:cNvPicPr>
             <a:picLocks noChangeAspect="1"/>
           </p:cNvPicPr>
@@ -9241,8 +9226,8 @@
         </p:blipFill>
         <p:spPr>
           <a:xfrm>
-            <a:off x="1064568" y="1971728"/>
-            <a:ext cx="8193360" cy="4155962"/>
+            <a:off x="4520952" y="2264296"/>
+            <a:ext cx="4426884" cy="3433449"/>
           </a:xfrm>
           <a:prstGeom prst="rect">
             <a:avLst/>
@@ -9256,10 +9241,47 @@
           </a:ln>
         </p:spPr>
       </p:pic>
+      <p:pic>
+        <p:nvPicPr>
+          <p:cNvPr id="6" name="그림 5"/>
+          <p:cNvPicPr>
+            <a:picLocks noChangeAspect="1"/>
+          </p:cNvPicPr>
+          <p:nvPr/>
+        </p:nvPicPr>
+        <p:blipFill>
+          <a:blip r:embed="rId3">
+            <a:extLst>
+              <a:ext uri="{28A0092B-C50C-407E-A947-70E740481C1C}">
+                <a14:useLocalDpi xmlns:a14="http://schemas.microsoft.com/office/drawing/2010/main" val="0"/>
+              </a:ext>
+            </a:extLst>
+          </a:blip>
+          <a:stretch>
+            <a:fillRect/>
+          </a:stretch>
+        </p:blipFill>
+        <p:spPr>
+          <a:xfrm>
+            <a:off x="1424608" y="2276872"/>
+            <a:ext cx="2926334" cy="678239"/>
+          </a:xfrm>
+          <a:prstGeom prst="rect">
+            <a:avLst/>
+          </a:prstGeom>
+          <a:ln>
+            <a:solidFill>
+              <a:schemeClr val="bg1">
+                <a:lumMod val="85000"/>
+              </a:schemeClr>
+            </a:solidFill>
+          </a:ln>
+        </p:spPr>
+      </p:pic>
     </p:spTree>
     <p:extLst>
       <p:ext uri="{BB962C8B-B14F-4D97-AF65-F5344CB8AC3E}">
-        <p14:creationId xmlns:p14="http://schemas.microsoft.com/office/powerpoint/2010/main" val="1001762266"/>
+        <p14:creationId xmlns:p14="http://schemas.microsoft.com/office/powerpoint/2010/main" val="35789719"/>
       </p:ext>
     </p:extLst>
   </p:cSld>
@@ -9317,8 +9339,16 @@
           <a:p>
             <a:pPr algn="ctr"/>
             <a:r>
+              <a:rPr lang="en-US" altLang="ko-KR" sz="2800" dirty="0" smtClean="0"/>
+              <a:t>class </a:t>
+            </a:r>
+            <a:r>
               <a:rPr lang="ko-KR" altLang="en-US" sz="2800" dirty="0" smtClean="0"/>
-              <a:t>아코디언 기능 구현</a:t>
+              <a:t>관련 </a:t>
+            </a:r>
+            <a:r>
+              <a:rPr lang="ko-KR" altLang="en-US" sz="2800" dirty="0" err="1" smtClean="0"/>
+              <a:t>메서드</a:t>
             </a:r>
             <a:endParaRPr lang="ko-KR" altLang="en-US" sz="2800" dirty="0"/>
           </a:p>
@@ -9347,9 +9377,60 @@
           </a:p>
         </p:txBody>
       </p:sp>
+      <p:sp>
+        <p:nvSpPr>
+          <p:cNvPr id="11" name="TextBox 10"/>
+          <p:cNvSpPr txBox="1"/>
+          <p:nvPr/>
+        </p:nvSpPr>
+        <p:spPr>
+          <a:xfrm>
+            <a:off x="1300026" y="1336993"/>
+            <a:ext cx="4949118" cy="454292"/>
+          </a:xfrm>
+          <a:prstGeom prst="rect">
+            <a:avLst/>
+          </a:prstGeom>
+          <a:noFill/>
+        </p:spPr>
+        <p:txBody>
+          <a:bodyPr wrap="square" rtlCol="0">
+            <a:spAutoFit/>
+          </a:bodyPr>
+          <a:lstStyle/>
+          <a:p>
+            <a:pPr>
+              <a:lnSpc>
+                <a:spcPct val="150000"/>
+              </a:lnSpc>
+            </a:pPr>
+            <a:r>
+              <a:rPr lang="ko-KR" altLang="en-US" b="1" dirty="0" smtClean="0"/>
+              <a:t>자바스크립트 </a:t>
+            </a:r>
+            <a:r>
+              <a:rPr lang="en-US" altLang="ko-KR" b="1" dirty="0" smtClean="0"/>
+              <a:t>– </a:t>
+            </a:r>
+            <a:r>
+              <a:rPr lang="en-US" altLang="ko-KR" b="1" dirty="0" err="1" smtClean="0"/>
+              <a:t>classList</a:t>
+            </a:r>
+            <a:r>
+              <a:rPr lang="en-US" altLang="ko-KR" b="1" dirty="0" smtClean="0"/>
+              <a:t> </a:t>
+            </a:r>
+            <a:r>
+              <a:rPr lang="ko-KR" altLang="en-US" b="1" dirty="0" smtClean="0"/>
+              <a:t>객체 사용</a:t>
+            </a:r>
+            <a:endParaRPr lang="en-US" altLang="ko-KR" sz="2000" b="1" dirty="0" smtClean="0"/>
+          </a:p>
+        </p:txBody>
+      </p:sp>
       <p:pic>
         <p:nvPicPr>
-          <p:cNvPr id="8" name="그림 7"/>
+          <p:cNvPr id="3" name="그림 2"/>
           <p:cNvPicPr>
             <a:picLocks noChangeAspect="1"/>
           </p:cNvPicPr>
@@ -9369,8 +9450,8 @@
         </p:blipFill>
         <p:spPr>
           <a:xfrm>
-            <a:off x="776536" y="1816083"/>
-            <a:ext cx="8255151" cy="3629139"/>
+            <a:off x="1568624" y="2132856"/>
+            <a:ext cx="4854361" cy="2034716"/>
           </a:xfrm>
           <a:prstGeom prst="rect">
             <a:avLst/>
@@ -9384,55 +9465,10 @@
           </a:ln>
         </p:spPr>
       </p:pic>
-      <p:sp>
-        <p:nvSpPr>
-          <p:cNvPr id="6" name="TextBox 5"/>
-          <p:cNvSpPr txBox="1"/>
-          <p:nvPr/>
-        </p:nvSpPr>
-        <p:spPr>
-          <a:xfrm>
-            <a:off x="7329264" y="1628798"/>
-            <a:ext cx="1296144" cy="374571"/>
-          </a:xfrm>
-          <a:prstGeom prst="roundRect">
-            <a:avLst/>
-          </a:prstGeom>
-          <a:ln w="19050"/>
-        </p:spPr>
-        <p:style>
-          <a:lnRef idx="2">
-            <a:schemeClr val="accent1"/>
-          </a:lnRef>
-          <a:fillRef idx="1">
-            <a:schemeClr val="lt1"/>
-          </a:fillRef>
-          <a:effectRef idx="0">
-            <a:schemeClr val="accent1"/>
-          </a:effectRef>
-          <a:fontRef idx="minor">
-            <a:schemeClr val="dk1"/>
-          </a:fontRef>
-        </p:style>
-        <p:txBody>
-          <a:bodyPr wrap="square" rtlCol="0">
-            <a:spAutoFit/>
-          </a:bodyPr>
-          <a:lstStyle/>
-          <a:p>
-            <a:pPr algn="ctr"/>
-            <a:r>
-              <a:rPr lang="en-US" altLang="ko-KR" sz="1600" dirty="0" smtClean="0"/>
-              <a:t>faq.html</a:t>
-            </a:r>
-            <a:endParaRPr lang="ko-KR" altLang="en-US" sz="1600" dirty="0"/>
-          </a:p>
-        </p:txBody>
-      </p:sp>
     </p:spTree>
     <p:extLst>
       <p:ext uri="{BB962C8B-B14F-4D97-AF65-F5344CB8AC3E}">
-        <p14:creationId xmlns:p14="http://schemas.microsoft.com/office/powerpoint/2010/main" val="2776063292"/>
+        <p14:creationId xmlns:p14="http://schemas.microsoft.com/office/powerpoint/2010/main" val="3962436384"/>
       </p:ext>
     </p:extLst>
   </p:cSld>
@@ -9490,8 +9526,16 @@
           <a:p>
             <a:pPr algn="ctr"/>
             <a:r>
+              <a:rPr lang="en-US" altLang="ko-KR" sz="2800" dirty="0" smtClean="0"/>
+              <a:t>class </a:t>
+            </a:r>
+            <a:r>
               <a:rPr lang="ko-KR" altLang="en-US" sz="2800" dirty="0" smtClean="0"/>
-              <a:t>아코디언 기능 구현</a:t>
+              <a:t>관련 </a:t>
+            </a:r>
+            <a:r>
+              <a:rPr lang="ko-KR" altLang="en-US" sz="2800" dirty="0" err="1" smtClean="0"/>
+              <a:t>메서드</a:t>
             </a:r>
             <a:endParaRPr lang="ko-KR" altLang="en-US" sz="2800" dirty="0"/>
           </a:p>
@@ -9520,9 +9564,60 @@
           </a:p>
         </p:txBody>
       </p:sp>
+      <p:sp>
+        <p:nvSpPr>
+          <p:cNvPr id="11" name="TextBox 10"/>
+          <p:cNvSpPr txBox="1"/>
+          <p:nvPr/>
+        </p:nvSpPr>
+        <p:spPr>
+          <a:xfrm>
+            <a:off x="1300026" y="1336993"/>
+            <a:ext cx="4949118" cy="454292"/>
+          </a:xfrm>
+          <a:prstGeom prst="rect">
+            <a:avLst/>
+          </a:prstGeom>
+          <a:noFill/>
+        </p:spPr>
+        <p:txBody>
+          <a:bodyPr wrap="square" rtlCol="0">
+            <a:spAutoFit/>
+          </a:bodyPr>
+          <a:lstStyle/>
+          <a:p>
+            <a:pPr>
+              <a:lnSpc>
+                <a:spcPct val="150000"/>
+              </a:lnSpc>
+            </a:pPr>
+            <a:r>
+              <a:rPr lang="ko-KR" altLang="en-US" b="1" dirty="0" smtClean="0"/>
+              <a:t>자바스크립트 </a:t>
+            </a:r>
+            <a:r>
+              <a:rPr lang="en-US" altLang="ko-KR" b="1" dirty="0" smtClean="0"/>
+              <a:t>– </a:t>
+            </a:r>
+            <a:r>
+              <a:rPr lang="en-US" altLang="ko-KR" b="1" dirty="0" err="1" smtClean="0"/>
+              <a:t>classList</a:t>
+            </a:r>
+            <a:r>
+              <a:rPr lang="en-US" altLang="ko-KR" b="1" dirty="0" smtClean="0"/>
+              <a:t> </a:t>
+            </a:r>
+            <a:r>
+              <a:rPr lang="ko-KR" altLang="en-US" b="1" dirty="0" smtClean="0"/>
+              <a:t>객체 사용</a:t>
+            </a:r>
+            <a:endParaRPr lang="en-US" altLang="ko-KR" sz="2000" b="1" dirty="0" smtClean="0"/>
+          </a:p>
+        </p:txBody>
+      </p:sp>
       <p:pic>
         <p:nvPicPr>
-          <p:cNvPr id="7" name="그림 6"/>
+          <p:cNvPr id="3" name="그림 2"/>
           <p:cNvPicPr>
             <a:picLocks noChangeAspect="1"/>
           </p:cNvPicPr>
@@ -9542,8 +9637,8 @@
         </p:blipFill>
         <p:spPr>
           <a:xfrm>
-            <a:off x="1136576" y="1700808"/>
-            <a:ext cx="7438179" cy="3744002"/>
+            <a:off x="1640632" y="2075542"/>
+            <a:ext cx="4464496" cy="1871303"/>
           </a:xfrm>
           <a:prstGeom prst="rect">
             <a:avLst/>
@@ -9557,10 +9652,47 @@
           </a:ln>
         </p:spPr>
       </p:pic>
+      <p:pic>
+        <p:nvPicPr>
+          <p:cNvPr id="5" name="그림 4"/>
+          <p:cNvPicPr>
+            <a:picLocks noChangeAspect="1"/>
+          </p:cNvPicPr>
+          <p:nvPr/>
+        </p:nvPicPr>
+        <p:blipFill>
+          <a:blip r:embed="rId3">
+            <a:extLst>
+              <a:ext uri="{28A0092B-C50C-407E-A947-70E740481C1C}">
+                <a14:useLocalDpi xmlns:a14="http://schemas.microsoft.com/office/drawing/2010/main" val="0"/>
+              </a:ext>
+            </a:extLst>
+          </a:blip>
+          <a:stretch>
+            <a:fillRect/>
+          </a:stretch>
+        </p:blipFill>
+        <p:spPr>
+          <a:xfrm>
+            <a:off x="1640632" y="4132186"/>
+            <a:ext cx="5501512" cy="2321151"/>
+          </a:xfrm>
+          <a:prstGeom prst="rect">
+            <a:avLst/>
+          </a:prstGeom>
+          <a:ln>
+            <a:solidFill>
+              <a:schemeClr val="bg1">
+                <a:lumMod val="85000"/>
+              </a:schemeClr>
+            </a:solidFill>
+          </a:ln>
+        </p:spPr>
+      </p:pic>
     </p:spTree>
     <p:extLst>
       <p:ext uri="{BB962C8B-B14F-4D97-AF65-F5344CB8AC3E}">
-        <p14:creationId xmlns:p14="http://schemas.microsoft.com/office/powerpoint/2010/main" val="1553241741"/>
+        <p14:creationId xmlns:p14="http://schemas.microsoft.com/office/powerpoint/2010/main" val="706250458"/>
       </p:ext>
     </p:extLst>
   </p:cSld>
@@ -9618,8 +9750,16 @@
           <a:p>
             <a:pPr algn="ctr"/>
             <a:r>
+              <a:rPr lang="en-US" altLang="ko-KR" sz="2800" dirty="0" smtClean="0"/>
+              <a:t>class </a:t>
+            </a:r>
+            <a:r>
               <a:rPr lang="ko-KR" altLang="en-US" sz="2800" dirty="0" smtClean="0"/>
-              <a:t>아코디언 기능 구현</a:t>
+              <a:t>관련 </a:t>
+            </a:r>
+            <a:r>
+              <a:rPr lang="ko-KR" altLang="en-US" sz="2800" dirty="0" err="1" smtClean="0"/>
+              <a:t>메서드</a:t>
             </a:r>
             <a:endParaRPr lang="ko-KR" altLang="en-US" sz="2800" dirty="0"/>
           </a:p>
@@ -9650,7 +9790,7 @@
       </p:sp>
       <p:pic>
         <p:nvPicPr>
-          <p:cNvPr id="3" name="그림 2"/>
+          <p:cNvPr id="7" name="그림 6"/>
           <p:cNvPicPr>
             <a:picLocks noChangeAspect="1"/>
           </p:cNvPicPr>
@@ -9670,8 +9810,8 @@
         </p:blipFill>
         <p:spPr>
           <a:xfrm>
-            <a:off x="563113" y="1628800"/>
-            <a:ext cx="8847587" cy="3825572"/>
+            <a:off x="1723736" y="3005246"/>
+            <a:ext cx="6681160" cy="3622021"/>
           </a:xfrm>
           <a:prstGeom prst="rect">
             <a:avLst/>
@@ -9685,59 +9825,394 @@
           </a:ln>
         </p:spPr>
       </p:pic>
-      <p:sp>
-        <p:nvSpPr>
-          <p:cNvPr id="6" name="TextBox 5"/>
+      <p:pic>
+        <p:nvPicPr>
+          <p:cNvPr id="6" name="그림 5"/>
+          <p:cNvPicPr>
+            <a:picLocks noChangeAspect="1"/>
+          </p:cNvPicPr>
+          <p:nvPr/>
+        </p:nvPicPr>
+        <p:blipFill>
+          <a:blip r:embed="rId3">
+            <a:extLst>
+              <a:ext uri="{28A0092B-C50C-407E-A947-70E740481C1C}">
+                <a14:useLocalDpi xmlns:a14="http://schemas.microsoft.com/office/drawing/2010/main" val="0"/>
+              </a:ext>
+            </a:extLst>
+          </a:blip>
+          <a:stretch>
+            <a:fillRect/>
+          </a:stretch>
+        </p:blipFill>
+        <p:spPr>
+          <a:xfrm>
+            <a:off x="1712640" y="1289194"/>
+            <a:ext cx="4044449" cy="1501299"/>
+          </a:xfrm>
+          <a:prstGeom prst="rect">
+            <a:avLst/>
+          </a:prstGeom>
+          <a:ln>
+            <a:solidFill>
+              <a:schemeClr val="bg1">
+                <a:lumMod val="85000"/>
+              </a:schemeClr>
+            </a:solidFill>
+          </a:ln>
+        </p:spPr>
+      </p:pic>
+    </p:spTree>
+    <p:extLst>
+      <p:ext uri="{BB962C8B-B14F-4D97-AF65-F5344CB8AC3E}">
+        <p14:creationId xmlns:p14="http://schemas.microsoft.com/office/powerpoint/2010/main" val="2852266119"/>
+      </p:ext>
+    </p:extLst>
+  </p:cSld>
+  <p:clrMapOvr>
+    <a:masterClrMapping/>
+  </p:clrMapOvr>
+  <p:timing>
+    <p:tnLst>
+      <p:par>
+        <p:cTn id="1" dur="indefinite" restart="never" nodeType="tmRoot"/>
+      </p:par>
+    </p:tnLst>
+  </p:timing>
+</p:sld>
+</file>
+
+<file path=ppt/slides/slide28.xml><?xml version="1.0" encoding="utf-8"?>
+<p:sld xmlns:a="http://schemas.openxmlformats.org/drawingml/2006/main" xmlns:r="http://schemas.openxmlformats.org/officeDocument/2006/relationships" xmlns:p="http://schemas.openxmlformats.org/presentationml/2006/main">
+  <p:cSld>
+    <p:spTree>
+      <p:nvGrpSpPr>
+        <p:cNvPr id="1" name=""/>
+        <p:cNvGrpSpPr/>
+        <p:nvPr/>
+      </p:nvGrpSpPr>
+      <p:grpSpPr>
+        <a:xfrm>
+          <a:off x="0" y="0"/>
+          <a:ext cx="0" cy="0"/>
+          <a:chOff x="0" y="0"/>
+          <a:chExt cx="0" cy="0"/>
+        </a:xfrm>
+      </p:grpSpPr>
+      <p:sp>
+        <p:nvSpPr>
+          <p:cNvPr id="2" name="제목 1"/>
+          <p:cNvSpPr>
+            <a:spLocks noGrp="1"/>
+          </p:cNvSpPr>
+          <p:nvPr>
+            <p:ph type="title"/>
+          </p:nvPr>
+        </p:nvSpPr>
+        <p:spPr>
+          <a:xfrm>
+            <a:off x="416497" y="197768"/>
+            <a:ext cx="6412780" cy="854968"/>
+          </a:xfrm>
+        </p:spPr>
+        <p:txBody>
+          <a:bodyPr>
+            <a:noAutofit/>
+          </a:bodyPr>
+          <a:lstStyle/>
+          <a:p>
+            <a:pPr algn="ctr"/>
+            <a:r>
+              <a:rPr lang="ko-KR" altLang="en-US" sz="2800" dirty="0" err="1" smtClean="0"/>
+              <a:t>반응형</a:t>
+            </a:r>
+            <a:r>
+              <a:rPr lang="ko-KR" altLang="en-US" sz="2800" dirty="0" smtClean="0"/>
+              <a:t> </a:t>
+            </a:r>
+            <a:r>
+              <a:rPr lang="en-US" altLang="ko-KR" sz="2800" dirty="0" smtClean="0"/>
+              <a:t>header</a:t>
+            </a:r>
+            <a:r>
+              <a:rPr lang="ko-KR" altLang="en-US" sz="2800" dirty="0" smtClean="0"/>
+              <a:t> 만들기</a:t>
+            </a:r>
+            <a:endParaRPr lang="ko-KR" altLang="en-US" sz="2800" dirty="0"/>
+          </a:p>
+        </p:txBody>
+      </p:sp>
+      <p:sp>
+        <p:nvSpPr>
+          <p:cNvPr id="4" name="슬라이드 번호 개체 틀 3"/>
+          <p:cNvSpPr>
+            <a:spLocks noGrp="1"/>
+          </p:cNvSpPr>
+          <p:nvPr>
+            <p:ph type="sldNum" sz="quarter" idx="12"/>
+          </p:nvPr>
+        </p:nvSpPr>
+        <p:spPr/>
+        <p:txBody>
+          <a:bodyPr/>
+          <a:lstStyle/>
+          <a:p>
+            <a:fld id="{1BDE3FE7-3AEA-4B05-AC5A-802D1816ACF0}" type="slidenum">
+              <a:rPr lang="ko-KR" altLang="en-US" smtClean="0"/>
+              <a:t>28</a:t>
+            </a:fld>
+            <a:endParaRPr lang="ko-KR" altLang="en-US"/>
+          </a:p>
+        </p:txBody>
+      </p:sp>
+      <p:pic>
+        <p:nvPicPr>
+          <p:cNvPr id="6" name="그림 5"/>
+          <p:cNvPicPr>
+            <a:picLocks noChangeAspect="1"/>
+          </p:cNvPicPr>
+          <p:nvPr/>
+        </p:nvPicPr>
+        <p:blipFill>
+          <a:blip r:embed="rId2">
+            <a:extLst>
+              <a:ext uri="{28A0092B-C50C-407E-A947-70E740481C1C}">
+                <a14:useLocalDpi xmlns:a14="http://schemas.microsoft.com/office/drawing/2010/main" val="0"/>
+              </a:ext>
+            </a:extLst>
+          </a:blip>
+          <a:stretch>
+            <a:fillRect/>
+          </a:stretch>
+        </p:blipFill>
+        <p:spPr>
+          <a:xfrm>
+            <a:off x="1856656" y="1700808"/>
+            <a:ext cx="5768840" cy="3596952"/>
+          </a:xfrm>
+          <a:prstGeom prst="rect">
+            <a:avLst/>
+          </a:prstGeom>
+          <a:ln>
+            <a:solidFill>
+              <a:schemeClr val="bg1">
+                <a:lumMod val="85000"/>
+              </a:schemeClr>
+            </a:solidFill>
+          </a:ln>
+        </p:spPr>
+      </p:pic>
+    </p:spTree>
+    <p:extLst>
+      <p:ext uri="{BB962C8B-B14F-4D97-AF65-F5344CB8AC3E}">
+        <p14:creationId xmlns:p14="http://schemas.microsoft.com/office/powerpoint/2010/main" val="1826902964"/>
+      </p:ext>
+    </p:extLst>
+  </p:cSld>
+  <p:clrMapOvr>
+    <a:masterClrMapping/>
+  </p:clrMapOvr>
+  <p:timing>
+    <p:tnLst>
+      <p:par>
+        <p:cTn id="1" dur="indefinite" restart="never" nodeType="tmRoot"/>
+      </p:par>
+    </p:tnLst>
+  </p:timing>
+</p:sld>
+</file>
+
+<file path=ppt/slides/slide29.xml><?xml version="1.0" encoding="utf-8"?>
+<p:sld xmlns:a="http://schemas.openxmlformats.org/drawingml/2006/main" xmlns:r="http://schemas.openxmlformats.org/officeDocument/2006/relationships" xmlns:p="http://schemas.openxmlformats.org/presentationml/2006/main">
+  <p:cSld>
+    <p:spTree>
+      <p:nvGrpSpPr>
+        <p:cNvPr id="1" name=""/>
+        <p:cNvGrpSpPr/>
+        <p:nvPr/>
+      </p:nvGrpSpPr>
+      <p:grpSpPr>
+        <a:xfrm>
+          <a:off x="0" y="0"/>
+          <a:ext cx="0" cy="0"/>
+          <a:chOff x="0" y="0"/>
+          <a:chExt cx="0" cy="0"/>
+        </a:xfrm>
+      </p:grpSpPr>
+      <p:sp>
+        <p:nvSpPr>
+          <p:cNvPr id="2" name="제목 1"/>
+          <p:cNvSpPr>
+            <a:spLocks noGrp="1"/>
+          </p:cNvSpPr>
+          <p:nvPr>
+            <p:ph type="title"/>
+          </p:nvPr>
+        </p:nvSpPr>
+        <p:spPr>
+          <a:xfrm>
+            <a:off x="416497" y="197768"/>
+            <a:ext cx="6412780" cy="854968"/>
+          </a:xfrm>
+        </p:spPr>
+        <p:txBody>
+          <a:bodyPr>
+            <a:noAutofit/>
+          </a:bodyPr>
+          <a:lstStyle/>
+          <a:p>
+            <a:pPr algn="ctr"/>
+            <a:r>
+              <a:rPr lang="ko-KR" altLang="en-US" sz="2800" dirty="0" err="1" smtClean="0"/>
+              <a:t>반응형</a:t>
+            </a:r>
+            <a:r>
+              <a:rPr lang="ko-KR" altLang="en-US" sz="2800" dirty="0" smtClean="0"/>
+              <a:t> </a:t>
+            </a:r>
+            <a:r>
+              <a:rPr lang="en-US" altLang="ko-KR" sz="2800" dirty="0" smtClean="0"/>
+              <a:t>header</a:t>
+            </a:r>
+            <a:r>
+              <a:rPr lang="ko-KR" altLang="en-US" sz="2800" dirty="0" smtClean="0"/>
+              <a:t> 만들기</a:t>
+            </a:r>
+            <a:endParaRPr lang="ko-KR" altLang="en-US" sz="2800" dirty="0"/>
+          </a:p>
+        </p:txBody>
+      </p:sp>
+      <p:sp>
+        <p:nvSpPr>
+          <p:cNvPr id="4" name="슬라이드 번호 개체 틀 3"/>
+          <p:cNvSpPr>
+            <a:spLocks noGrp="1"/>
+          </p:cNvSpPr>
+          <p:nvPr>
+            <p:ph type="sldNum" sz="quarter" idx="12"/>
+          </p:nvPr>
+        </p:nvSpPr>
+        <p:spPr/>
+        <p:txBody>
+          <a:bodyPr/>
+          <a:lstStyle/>
+          <a:p>
+            <a:fld id="{1BDE3FE7-3AEA-4B05-AC5A-802D1816ACF0}" type="slidenum">
+              <a:rPr lang="ko-KR" altLang="en-US" smtClean="0"/>
+              <a:t>29</a:t>
+            </a:fld>
+            <a:endParaRPr lang="ko-KR" altLang="en-US"/>
+          </a:p>
+        </p:txBody>
+      </p:sp>
+      <p:pic>
+        <p:nvPicPr>
+          <p:cNvPr id="5" name="그림 4"/>
+          <p:cNvPicPr>
+            <a:picLocks noChangeAspect="1"/>
+          </p:cNvPicPr>
+          <p:nvPr/>
+        </p:nvPicPr>
+        <p:blipFill>
+          <a:blip r:embed="rId2">
+            <a:extLst>
+              <a:ext uri="{28A0092B-C50C-407E-A947-70E740481C1C}">
+                <a14:useLocalDpi xmlns:a14="http://schemas.microsoft.com/office/drawing/2010/main" val="0"/>
+              </a:ext>
+            </a:extLst>
+          </a:blip>
+          <a:stretch>
+            <a:fillRect/>
+          </a:stretch>
+        </p:blipFill>
+        <p:spPr>
+          <a:xfrm>
+            <a:off x="1064568" y="1268760"/>
+            <a:ext cx="7259166" cy="2097636"/>
+          </a:xfrm>
+          <a:prstGeom prst="rect">
+            <a:avLst/>
+          </a:prstGeom>
+          <a:ln>
+            <a:solidFill>
+              <a:schemeClr val="bg1">
+                <a:lumMod val="85000"/>
+              </a:schemeClr>
+            </a:solidFill>
+          </a:ln>
+        </p:spPr>
+      </p:pic>
+      <p:pic>
+        <p:nvPicPr>
+          <p:cNvPr id="3" name="그림 2"/>
+          <p:cNvPicPr>
+            <a:picLocks noChangeAspect="1"/>
+          </p:cNvPicPr>
+          <p:nvPr/>
+        </p:nvPicPr>
+        <p:blipFill>
+          <a:blip r:embed="rId3">
+            <a:extLst>
+              <a:ext uri="{28A0092B-C50C-407E-A947-70E740481C1C}">
+                <a14:useLocalDpi xmlns:a14="http://schemas.microsoft.com/office/drawing/2010/main" val="0"/>
+              </a:ext>
+            </a:extLst>
+          </a:blip>
+          <a:stretch>
+            <a:fillRect/>
+          </a:stretch>
+        </p:blipFill>
+        <p:spPr>
+          <a:xfrm>
+            <a:off x="2281883" y="3333079"/>
+            <a:ext cx="4824536" cy="3485383"/>
+          </a:xfrm>
+          <a:prstGeom prst="rect">
+            <a:avLst/>
+          </a:prstGeom>
+          <a:ln>
+            <a:solidFill>
+              <a:schemeClr val="bg1">
+                <a:lumMod val="85000"/>
+              </a:schemeClr>
+            </a:solidFill>
+          </a:ln>
+        </p:spPr>
+      </p:pic>
+      <p:sp>
+        <p:nvSpPr>
+          <p:cNvPr id="7" name="TextBox 6"/>
           <p:cNvSpPr txBox="1"/>
           <p:nvPr/>
         </p:nvSpPr>
         <p:spPr>
           <a:xfrm>
-            <a:off x="6681192" y="2132856"/>
-            <a:ext cx="1296144" cy="374571"/>
-          </a:xfrm>
-          <a:prstGeom prst="roundRect">
+            <a:off x="7329264" y="3933056"/>
+            <a:ext cx="1368152" cy="369332"/>
+          </a:xfrm>
+          <a:prstGeom prst="rect">
             <a:avLst/>
           </a:prstGeom>
-          <a:ln w="19050"/>
-        </p:spPr>
-        <p:style>
-          <a:lnRef idx="2">
-            <a:schemeClr val="accent1"/>
-          </a:lnRef>
-          <a:fillRef idx="1">
-            <a:schemeClr val="lt1"/>
-          </a:fillRef>
-          <a:effectRef idx="0">
-            <a:schemeClr val="accent1"/>
-          </a:effectRef>
-          <a:fontRef idx="minor">
-            <a:schemeClr val="dk1"/>
-          </a:fontRef>
-        </p:style>
+          <a:noFill/>
+        </p:spPr>
         <p:txBody>
           <a:bodyPr wrap="square" rtlCol="0">
             <a:spAutoFit/>
           </a:bodyPr>
           <a:lstStyle/>
           <a:p>
-            <a:pPr algn="ctr"/>
-            <a:r>
-              <a:rPr lang="en-US" altLang="ko-KR" sz="1600" dirty="0"/>
-              <a:t>u</a:t>
-            </a:r>
-            <a:r>
-              <a:rPr lang="en-US" altLang="ko-KR" sz="1600" dirty="0" smtClean="0"/>
-              <a:t>i.css</a:t>
-            </a:r>
-            <a:endParaRPr lang="ko-KR" altLang="en-US" sz="1600" dirty="0"/>
+            <a:r>
+              <a:rPr lang="en-US" altLang="ko-KR" dirty="0" smtClean="0"/>
+              <a:t>index.html</a:t>
+            </a:r>
+            <a:endParaRPr lang="ko-KR" altLang="en-US" dirty="0"/>
           </a:p>
         </p:txBody>
       </p:sp>
     </p:spTree>
     <p:extLst>
       <p:ext uri="{BB962C8B-B14F-4D97-AF65-F5344CB8AC3E}">
-        <p14:creationId xmlns:p14="http://schemas.microsoft.com/office/powerpoint/2010/main" val="1421290367"/>
+        <p14:creationId xmlns:p14="http://schemas.microsoft.com/office/powerpoint/2010/main" val="3555523008"/>
       </p:ext>
     </p:extLst>
   </p:cSld>
@@ -10237,6 +10712,1220 @@
             </p:seq>
           </p:childTnLst>
         </p:cTn>
+      </p:par>
+    </p:tnLst>
+  </p:timing>
+</p:sld>
+</file>
+
+<file path=ppt/slides/slide30.xml><?xml version="1.0" encoding="utf-8"?>
+<p:sld xmlns:a="http://schemas.openxmlformats.org/drawingml/2006/main" xmlns:r="http://schemas.openxmlformats.org/officeDocument/2006/relationships" xmlns:p="http://schemas.openxmlformats.org/presentationml/2006/main">
+  <p:cSld>
+    <p:spTree>
+      <p:nvGrpSpPr>
+        <p:cNvPr id="1" name=""/>
+        <p:cNvGrpSpPr/>
+        <p:nvPr/>
+      </p:nvGrpSpPr>
+      <p:grpSpPr>
+        <a:xfrm>
+          <a:off x="0" y="0"/>
+          <a:ext cx="0" cy="0"/>
+          <a:chOff x="0" y="0"/>
+          <a:chExt cx="0" cy="0"/>
+        </a:xfrm>
+      </p:grpSpPr>
+      <p:sp>
+        <p:nvSpPr>
+          <p:cNvPr id="2" name="제목 1"/>
+          <p:cNvSpPr>
+            <a:spLocks noGrp="1"/>
+          </p:cNvSpPr>
+          <p:nvPr>
+            <p:ph type="title"/>
+          </p:nvPr>
+        </p:nvSpPr>
+        <p:spPr>
+          <a:xfrm>
+            <a:off x="416497" y="197768"/>
+            <a:ext cx="6412780" cy="854968"/>
+          </a:xfrm>
+        </p:spPr>
+        <p:txBody>
+          <a:bodyPr>
+            <a:noAutofit/>
+          </a:bodyPr>
+          <a:lstStyle/>
+          <a:p>
+            <a:pPr algn="ctr"/>
+            <a:r>
+              <a:rPr lang="ko-KR" altLang="en-US" sz="2800" dirty="0" err="1" smtClean="0"/>
+              <a:t>반응형</a:t>
+            </a:r>
+            <a:r>
+              <a:rPr lang="ko-KR" altLang="en-US" sz="2800" dirty="0" smtClean="0"/>
+              <a:t> </a:t>
+            </a:r>
+            <a:r>
+              <a:rPr lang="en-US" altLang="ko-KR" sz="2800" dirty="0" smtClean="0"/>
+              <a:t>header</a:t>
+            </a:r>
+            <a:r>
+              <a:rPr lang="ko-KR" altLang="en-US" sz="2800" dirty="0" smtClean="0"/>
+              <a:t> 만들기</a:t>
+            </a:r>
+            <a:endParaRPr lang="ko-KR" altLang="en-US" sz="2800" dirty="0"/>
+          </a:p>
+        </p:txBody>
+      </p:sp>
+      <p:sp>
+        <p:nvSpPr>
+          <p:cNvPr id="4" name="슬라이드 번호 개체 틀 3"/>
+          <p:cNvSpPr>
+            <a:spLocks noGrp="1"/>
+          </p:cNvSpPr>
+          <p:nvPr>
+            <p:ph type="sldNum" sz="quarter" idx="12"/>
+          </p:nvPr>
+        </p:nvSpPr>
+        <p:spPr/>
+        <p:txBody>
+          <a:bodyPr/>
+          <a:lstStyle/>
+          <a:p>
+            <a:fld id="{1BDE3FE7-3AEA-4B05-AC5A-802D1816ACF0}" type="slidenum">
+              <a:rPr lang="ko-KR" altLang="en-US" smtClean="0"/>
+              <a:t>30</a:t>
+            </a:fld>
+            <a:endParaRPr lang="ko-KR" altLang="en-US"/>
+          </a:p>
+        </p:txBody>
+      </p:sp>
+      <p:pic>
+        <p:nvPicPr>
+          <p:cNvPr id="5" name="그림 4"/>
+          <p:cNvPicPr>
+            <a:picLocks noChangeAspect="1"/>
+          </p:cNvPicPr>
+          <p:nvPr/>
+        </p:nvPicPr>
+        <p:blipFill>
+          <a:blip r:embed="rId2">
+            <a:extLst>
+              <a:ext uri="{28A0092B-C50C-407E-A947-70E740481C1C}">
+                <a14:useLocalDpi xmlns:a14="http://schemas.microsoft.com/office/drawing/2010/main" val="0"/>
+              </a:ext>
+            </a:extLst>
+          </a:blip>
+          <a:stretch>
+            <a:fillRect/>
+          </a:stretch>
+        </p:blipFill>
+        <p:spPr>
+          <a:xfrm>
+            <a:off x="776536" y="1835532"/>
+            <a:ext cx="4074263" cy="3976219"/>
+          </a:xfrm>
+          <a:prstGeom prst="rect">
+            <a:avLst/>
+          </a:prstGeom>
+          <a:ln>
+            <a:solidFill>
+              <a:schemeClr val="bg1">
+                <a:lumMod val="85000"/>
+              </a:schemeClr>
+            </a:solidFill>
+          </a:ln>
+        </p:spPr>
+      </p:pic>
+      <p:pic>
+        <p:nvPicPr>
+          <p:cNvPr id="6" name="그림 5"/>
+          <p:cNvPicPr>
+            <a:picLocks noChangeAspect="1"/>
+          </p:cNvPicPr>
+          <p:nvPr/>
+        </p:nvPicPr>
+        <p:blipFill>
+          <a:blip r:embed="rId3">
+            <a:extLst>
+              <a:ext uri="{28A0092B-C50C-407E-A947-70E740481C1C}">
+                <a14:useLocalDpi xmlns:a14="http://schemas.microsoft.com/office/drawing/2010/main" val="0"/>
+              </a:ext>
+            </a:extLst>
+          </a:blip>
+          <a:stretch>
+            <a:fillRect/>
+          </a:stretch>
+        </p:blipFill>
+        <p:spPr>
+          <a:xfrm>
+            <a:off x="5081052" y="1294779"/>
+            <a:ext cx="4192428" cy="4806382"/>
+          </a:xfrm>
+          <a:prstGeom prst="rect">
+            <a:avLst/>
+          </a:prstGeom>
+          <a:ln>
+            <a:solidFill>
+              <a:schemeClr val="bg1">
+                <a:lumMod val="85000"/>
+              </a:schemeClr>
+            </a:solidFill>
+          </a:ln>
+        </p:spPr>
+      </p:pic>
+      <p:sp>
+        <p:nvSpPr>
+          <p:cNvPr id="7" name="TextBox 6"/>
+          <p:cNvSpPr txBox="1"/>
+          <p:nvPr/>
+        </p:nvSpPr>
+        <p:spPr>
+          <a:xfrm>
+            <a:off x="1712640" y="1259468"/>
+            <a:ext cx="1368152" cy="369332"/>
+          </a:xfrm>
+          <a:prstGeom prst="rect">
+            <a:avLst/>
+          </a:prstGeom>
+          <a:noFill/>
+        </p:spPr>
+        <p:txBody>
+          <a:bodyPr wrap="square" rtlCol="0">
+            <a:spAutoFit/>
+          </a:bodyPr>
+          <a:lstStyle/>
+          <a:p>
+            <a:r>
+              <a:rPr lang="en-US" altLang="ko-KR" dirty="0"/>
+              <a:t>s</a:t>
+            </a:r>
+            <a:r>
+              <a:rPr lang="en-US" altLang="ko-KR" dirty="0" smtClean="0"/>
+              <a:t>tyle.css</a:t>
+            </a:r>
+            <a:endParaRPr lang="ko-KR" altLang="en-US" dirty="0"/>
+          </a:p>
+        </p:txBody>
+      </p:sp>
+    </p:spTree>
+    <p:extLst>
+      <p:ext uri="{BB962C8B-B14F-4D97-AF65-F5344CB8AC3E}">
+        <p14:creationId xmlns:p14="http://schemas.microsoft.com/office/powerpoint/2010/main" val="3581230346"/>
+      </p:ext>
+    </p:extLst>
+  </p:cSld>
+  <p:clrMapOvr>
+    <a:masterClrMapping/>
+  </p:clrMapOvr>
+  <p:timing>
+    <p:tnLst>
+      <p:par>
+        <p:cTn id="1" dur="indefinite" restart="never" nodeType="tmRoot"/>
+      </p:par>
+    </p:tnLst>
+  </p:timing>
+</p:sld>
+</file>
+
+<file path=ppt/slides/slide31.xml><?xml version="1.0" encoding="utf-8"?>
+<p:sld xmlns:a="http://schemas.openxmlformats.org/drawingml/2006/main" xmlns:r="http://schemas.openxmlformats.org/officeDocument/2006/relationships" xmlns:p="http://schemas.openxmlformats.org/presentationml/2006/main">
+  <p:cSld>
+    <p:spTree>
+      <p:nvGrpSpPr>
+        <p:cNvPr id="1" name=""/>
+        <p:cNvGrpSpPr/>
+        <p:nvPr/>
+      </p:nvGrpSpPr>
+      <p:grpSpPr>
+        <a:xfrm>
+          <a:off x="0" y="0"/>
+          <a:ext cx="0" cy="0"/>
+          <a:chOff x="0" y="0"/>
+          <a:chExt cx="0" cy="0"/>
+        </a:xfrm>
+      </p:grpSpPr>
+      <p:sp>
+        <p:nvSpPr>
+          <p:cNvPr id="2" name="제목 1"/>
+          <p:cNvSpPr>
+            <a:spLocks noGrp="1"/>
+          </p:cNvSpPr>
+          <p:nvPr>
+            <p:ph type="title"/>
+          </p:nvPr>
+        </p:nvSpPr>
+        <p:spPr>
+          <a:xfrm>
+            <a:off x="416497" y="197768"/>
+            <a:ext cx="6412780" cy="854968"/>
+          </a:xfrm>
+        </p:spPr>
+        <p:txBody>
+          <a:bodyPr>
+            <a:noAutofit/>
+          </a:bodyPr>
+          <a:lstStyle/>
+          <a:p>
+            <a:pPr algn="ctr"/>
+            <a:r>
+              <a:rPr lang="ko-KR" altLang="en-US" sz="2800" dirty="0" err="1" smtClean="0"/>
+              <a:t>반응형</a:t>
+            </a:r>
+            <a:r>
+              <a:rPr lang="ko-KR" altLang="en-US" sz="2800" dirty="0" smtClean="0"/>
+              <a:t> </a:t>
+            </a:r>
+            <a:r>
+              <a:rPr lang="en-US" altLang="ko-KR" sz="2800" dirty="0" smtClean="0"/>
+              <a:t>header</a:t>
+            </a:r>
+            <a:r>
+              <a:rPr lang="ko-KR" altLang="en-US" sz="2800" dirty="0" smtClean="0"/>
+              <a:t> 만들기</a:t>
+            </a:r>
+            <a:endParaRPr lang="ko-KR" altLang="en-US" sz="2800" dirty="0"/>
+          </a:p>
+        </p:txBody>
+      </p:sp>
+      <p:sp>
+        <p:nvSpPr>
+          <p:cNvPr id="4" name="슬라이드 번호 개체 틀 3"/>
+          <p:cNvSpPr>
+            <a:spLocks noGrp="1"/>
+          </p:cNvSpPr>
+          <p:nvPr>
+            <p:ph type="sldNum" sz="quarter" idx="12"/>
+          </p:nvPr>
+        </p:nvSpPr>
+        <p:spPr/>
+        <p:txBody>
+          <a:bodyPr/>
+          <a:lstStyle/>
+          <a:p>
+            <a:fld id="{1BDE3FE7-3AEA-4B05-AC5A-802D1816ACF0}" type="slidenum">
+              <a:rPr lang="ko-KR" altLang="en-US" smtClean="0"/>
+              <a:t>31</a:t>
+            </a:fld>
+            <a:endParaRPr lang="ko-KR" altLang="en-US"/>
+          </a:p>
+        </p:txBody>
+      </p:sp>
+      <p:pic>
+        <p:nvPicPr>
+          <p:cNvPr id="3" name="그림 2"/>
+          <p:cNvPicPr>
+            <a:picLocks noChangeAspect="1"/>
+          </p:cNvPicPr>
+          <p:nvPr/>
+        </p:nvPicPr>
+        <p:blipFill>
+          <a:blip r:embed="rId2">
+            <a:extLst>
+              <a:ext uri="{28A0092B-C50C-407E-A947-70E740481C1C}">
+                <a14:useLocalDpi xmlns:a14="http://schemas.microsoft.com/office/drawing/2010/main" val="0"/>
+              </a:ext>
+            </a:extLst>
+          </a:blip>
+          <a:stretch>
+            <a:fillRect/>
+          </a:stretch>
+        </p:blipFill>
+        <p:spPr>
+          <a:xfrm>
+            <a:off x="992560" y="1340768"/>
+            <a:ext cx="4242026" cy="4904842"/>
+          </a:xfrm>
+          <a:prstGeom prst="rect">
+            <a:avLst/>
+          </a:prstGeom>
+          <a:ln>
+            <a:solidFill>
+              <a:schemeClr val="bg1">
+                <a:lumMod val="85000"/>
+              </a:schemeClr>
+            </a:solidFill>
+          </a:ln>
+        </p:spPr>
+      </p:pic>
+      <p:pic>
+        <p:nvPicPr>
+          <p:cNvPr id="7" name="그림 6"/>
+          <p:cNvPicPr>
+            <a:picLocks noChangeAspect="1"/>
+          </p:cNvPicPr>
+          <p:nvPr/>
+        </p:nvPicPr>
+        <p:blipFill>
+          <a:blip r:embed="rId3">
+            <a:extLst>
+              <a:ext uri="{28A0092B-C50C-407E-A947-70E740481C1C}">
+                <a14:useLocalDpi xmlns:a14="http://schemas.microsoft.com/office/drawing/2010/main" val="0"/>
+              </a:ext>
+            </a:extLst>
+          </a:blip>
+          <a:stretch>
+            <a:fillRect/>
+          </a:stretch>
+        </p:blipFill>
+        <p:spPr>
+          <a:xfrm>
+            <a:off x="5457056" y="2132856"/>
+            <a:ext cx="3862154" cy="3022555"/>
+          </a:xfrm>
+          <a:prstGeom prst="rect">
+            <a:avLst/>
+          </a:prstGeom>
+          <a:ln>
+            <a:solidFill>
+              <a:schemeClr val="bg1">
+                <a:lumMod val="85000"/>
+              </a:schemeClr>
+            </a:solidFill>
+          </a:ln>
+        </p:spPr>
+      </p:pic>
+    </p:spTree>
+    <p:extLst>
+      <p:ext uri="{BB962C8B-B14F-4D97-AF65-F5344CB8AC3E}">
+        <p14:creationId xmlns:p14="http://schemas.microsoft.com/office/powerpoint/2010/main" val="1613720213"/>
+      </p:ext>
+    </p:extLst>
+  </p:cSld>
+  <p:clrMapOvr>
+    <a:masterClrMapping/>
+  </p:clrMapOvr>
+  <p:timing>
+    <p:tnLst>
+      <p:par>
+        <p:cTn id="1" dur="indefinite" restart="never" nodeType="tmRoot"/>
+      </p:par>
+    </p:tnLst>
+  </p:timing>
+</p:sld>
+</file>
+
+<file path=ppt/slides/slide32.xml><?xml version="1.0" encoding="utf-8"?>
+<p:sld xmlns:a="http://schemas.openxmlformats.org/drawingml/2006/main" xmlns:r="http://schemas.openxmlformats.org/officeDocument/2006/relationships" xmlns:p="http://schemas.openxmlformats.org/presentationml/2006/main">
+  <p:cSld>
+    <p:spTree>
+      <p:nvGrpSpPr>
+        <p:cNvPr id="1" name=""/>
+        <p:cNvGrpSpPr/>
+        <p:nvPr/>
+      </p:nvGrpSpPr>
+      <p:grpSpPr>
+        <a:xfrm>
+          <a:off x="0" y="0"/>
+          <a:ext cx="0" cy="0"/>
+          <a:chOff x="0" y="0"/>
+          <a:chExt cx="0" cy="0"/>
+        </a:xfrm>
+      </p:grpSpPr>
+      <p:sp>
+        <p:nvSpPr>
+          <p:cNvPr id="2" name="제목 1"/>
+          <p:cNvSpPr>
+            <a:spLocks noGrp="1"/>
+          </p:cNvSpPr>
+          <p:nvPr>
+            <p:ph type="title"/>
+          </p:nvPr>
+        </p:nvSpPr>
+        <p:spPr>
+          <a:xfrm>
+            <a:off x="416497" y="197768"/>
+            <a:ext cx="6412780" cy="854968"/>
+          </a:xfrm>
+        </p:spPr>
+        <p:txBody>
+          <a:bodyPr>
+            <a:noAutofit/>
+          </a:bodyPr>
+          <a:lstStyle/>
+          <a:p>
+            <a:pPr algn="ctr"/>
+            <a:r>
+              <a:rPr lang="ko-KR" altLang="en-US" sz="2800" dirty="0" err="1" smtClean="0"/>
+              <a:t>반응형</a:t>
+            </a:r>
+            <a:r>
+              <a:rPr lang="ko-KR" altLang="en-US" sz="2800" dirty="0" smtClean="0"/>
+              <a:t> </a:t>
+            </a:r>
+            <a:r>
+              <a:rPr lang="en-US" altLang="ko-KR" sz="2800" dirty="0" smtClean="0"/>
+              <a:t>header</a:t>
+            </a:r>
+            <a:r>
+              <a:rPr lang="ko-KR" altLang="en-US" sz="2800" dirty="0" smtClean="0"/>
+              <a:t> 만들기</a:t>
+            </a:r>
+            <a:endParaRPr lang="ko-KR" altLang="en-US" sz="2800" dirty="0"/>
+          </a:p>
+        </p:txBody>
+      </p:sp>
+      <p:sp>
+        <p:nvSpPr>
+          <p:cNvPr id="4" name="슬라이드 번호 개체 틀 3"/>
+          <p:cNvSpPr>
+            <a:spLocks noGrp="1"/>
+          </p:cNvSpPr>
+          <p:nvPr>
+            <p:ph type="sldNum" sz="quarter" idx="12"/>
+          </p:nvPr>
+        </p:nvSpPr>
+        <p:spPr/>
+        <p:txBody>
+          <a:bodyPr/>
+          <a:lstStyle/>
+          <a:p>
+            <a:fld id="{1BDE3FE7-3AEA-4B05-AC5A-802D1816ACF0}" type="slidenum">
+              <a:rPr lang="ko-KR" altLang="en-US" smtClean="0"/>
+              <a:t>32</a:t>
+            </a:fld>
+            <a:endParaRPr lang="ko-KR" altLang="en-US"/>
+          </a:p>
+        </p:txBody>
+      </p:sp>
+      <p:pic>
+        <p:nvPicPr>
+          <p:cNvPr id="5" name="그림 4"/>
+          <p:cNvPicPr>
+            <a:picLocks noChangeAspect="1"/>
+          </p:cNvPicPr>
+          <p:nvPr/>
+        </p:nvPicPr>
+        <p:blipFill>
+          <a:blip r:embed="rId2">
+            <a:extLst>
+              <a:ext uri="{28A0092B-C50C-407E-A947-70E740481C1C}">
+                <a14:useLocalDpi xmlns:a14="http://schemas.microsoft.com/office/drawing/2010/main" val="0"/>
+              </a:ext>
+            </a:extLst>
+          </a:blip>
+          <a:stretch>
+            <a:fillRect/>
+          </a:stretch>
+        </p:blipFill>
+        <p:spPr>
+          <a:xfrm>
+            <a:off x="1136576" y="1234819"/>
+            <a:ext cx="6607211" cy="5401080"/>
+          </a:xfrm>
+          <a:prstGeom prst="rect">
+            <a:avLst/>
+          </a:prstGeom>
+          <a:ln>
+            <a:solidFill>
+              <a:schemeClr val="bg1">
+                <a:lumMod val="85000"/>
+              </a:schemeClr>
+            </a:solidFill>
+          </a:ln>
+        </p:spPr>
+      </p:pic>
+      <p:sp>
+        <p:nvSpPr>
+          <p:cNvPr id="8" name="TextBox 7"/>
+          <p:cNvSpPr txBox="1"/>
+          <p:nvPr/>
+        </p:nvSpPr>
+        <p:spPr>
+          <a:xfrm>
+            <a:off x="7185248" y="2492896"/>
+            <a:ext cx="1368152" cy="369332"/>
+          </a:xfrm>
+          <a:prstGeom prst="rect">
+            <a:avLst/>
+          </a:prstGeom>
+          <a:noFill/>
+        </p:spPr>
+        <p:txBody>
+          <a:bodyPr wrap="square" rtlCol="0">
+            <a:spAutoFit/>
+          </a:bodyPr>
+          <a:lstStyle/>
+          <a:p>
+            <a:r>
+              <a:rPr lang="en-US" altLang="ko-KR" dirty="0" smtClean="0"/>
+              <a:t>main.js</a:t>
+            </a:r>
+            <a:endParaRPr lang="ko-KR" altLang="en-US" dirty="0"/>
+          </a:p>
+        </p:txBody>
+      </p:sp>
+    </p:spTree>
+    <p:extLst>
+      <p:ext uri="{BB962C8B-B14F-4D97-AF65-F5344CB8AC3E}">
+        <p14:creationId xmlns:p14="http://schemas.microsoft.com/office/powerpoint/2010/main" val="861668512"/>
+      </p:ext>
+    </p:extLst>
+  </p:cSld>
+  <p:clrMapOvr>
+    <a:masterClrMapping/>
+  </p:clrMapOvr>
+  <p:timing>
+    <p:tnLst>
+      <p:par>
+        <p:cTn id="1" dur="indefinite" restart="never" nodeType="tmRoot"/>
+      </p:par>
+    </p:tnLst>
+  </p:timing>
+</p:sld>
+</file>
+
+<file path=ppt/slides/slide33.xml><?xml version="1.0" encoding="utf-8"?>
+<p:sld xmlns:a="http://schemas.openxmlformats.org/drawingml/2006/main" xmlns:r="http://schemas.openxmlformats.org/officeDocument/2006/relationships" xmlns:p="http://schemas.openxmlformats.org/presentationml/2006/main">
+  <p:cSld>
+    <p:spTree>
+      <p:nvGrpSpPr>
+        <p:cNvPr id="1" name=""/>
+        <p:cNvGrpSpPr/>
+        <p:nvPr/>
+      </p:nvGrpSpPr>
+      <p:grpSpPr>
+        <a:xfrm>
+          <a:off x="0" y="0"/>
+          <a:ext cx="0" cy="0"/>
+          <a:chOff x="0" y="0"/>
+          <a:chExt cx="0" cy="0"/>
+        </a:xfrm>
+      </p:grpSpPr>
+      <p:sp>
+        <p:nvSpPr>
+          <p:cNvPr id="2" name="제목 1"/>
+          <p:cNvSpPr>
+            <a:spLocks noGrp="1"/>
+          </p:cNvSpPr>
+          <p:nvPr>
+            <p:ph type="title"/>
+          </p:nvPr>
+        </p:nvSpPr>
+        <p:spPr>
+          <a:xfrm>
+            <a:off x="416497" y="197768"/>
+            <a:ext cx="6412780" cy="854968"/>
+          </a:xfrm>
+        </p:spPr>
+        <p:txBody>
+          <a:bodyPr>
+            <a:noAutofit/>
+          </a:bodyPr>
+          <a:lstStyle/>
+          <a:p>
+            <a:pPr algn="ctr"/>
+            <a:r>
+              <a:rPr lang="ko-KR" altLang="en-US" sz="2800" dirty="0" smtClean="0"/>
+              <a:t>아코디언 기능 구현</a:t>
+            </a:r>
+            <a:endParaRPr lang="ko-KR" altLang="en-US" sz="2800" dirty="0"/>
+          </a:p>
+        </p:txBody>
+      </p:sp>
+      <p:sp>
+        <p:nvSpPr>
+          <p:cNvPr id="4" name="슬라이드 번호 개체 틀 3"/>
+          <p:cNvSpPr>
+            <a:spLocks noGrp="1"/>
+          </p:cNvSpPr>
+          <p:nvPr>
+            <p:ph type="sldNum" sz="quarter" idx="12"/>
+          </p:nvPr>
+        </p:nvSpPr>
+        <p:spPr/>
+        <p:txBody>
+          <a:bodyPr/>
+          <a:lstStyle/>
+          <a:p>
+            <a:fld id="{1BDE3FE7-3AEA-4B05-AC5A-802D1816ACF0}" type="slidenum">
+              <a:rPr lang="ko-KR" altLang="en-US" smtClean="0"/>
+              <a:t>33</a:t>
+            </a:fld>
+            <a:endParaRPr lang="ko-KR" altLang="en-US"/>
+          </a:p>
+        </p:txBody>
+      </p:sp>
+      <p:sp>
+        <p:nvSpPr>
+          <p:cNvPr id="10" name="TextBox 9"/>
+          <p:cNvSpPr txBox="1"/>
+          <p:nvPr/>
+        </p:nvSpPr>
+        <p:spPr>
+          <a:xfrm>
+            <a:off x="1136576" y="1264985"/>
+            <a:ext cx="6893334" cy="494494"/>
+          </a:xfrm>
+          <a:prstGeom prst="rect">
+            <a:avLst/>
+          </a:prstGeom>
+          <a:noFill/>
+        </p:spPr>
+        <p:txBody>
+          <a:bodyPr wrap="square" rtlCol="0">
+            <a:spAutoFit/>
+          </a:bodyPr>
+          <a:lstStyle/>
+          <a:p>
+            <a:pPr>
+              <a:lnSpc>
+                <a:spcPct val="150000"/>
+              </a:lnSpc>
+            </a:pPr>
+            <a:r>
+              <a:rPr lang="en-US" altLang="ko-KR" sz="2000" b="1" dirty="0" smtClean="0"/>
+              <a:t>accordion(</a:t>
+            </a:r>
+            <a:r>
+              <a:rPr lang="ko-KR" altLang="en-US" sz="2000" b="1" dirty="0" smtClean="0"/>
+              <a:t>펼치기</a:t>
+            </a:r>
+            <a:r>
+              <a:rPr lang="en-US" altLang="ko-KR" sz="2000" b="1" dirty="0" smtClean="0"/>
+              <a:t>, </a:t>
+            </a:r>
+            <a:r>
+              <a:rPr lang="ko-KR" altLang="en-US" sz="2000" b="1" dirty="0" smtClean="0"/>
+              <a:t>접기</a:t>
+            </a:r>
+            <a:r>
+              <a:rPr lang="en-US" altLang="ko-KR" sz="2000" b="1" dirty="0" smtClean="0"/>
+              <a:t>)</a:t>
+            </a:r>
+          </a:p>
+        </p:txBody>
+      </p:sp>
+      <p:pic>
+        <p:nvPicPr>
+          <p:cNvPr id="6" name="그림 5"/>
+          <p:cNvPicPr>
+            <a:picLocks noChangeAspect="1"/>
+          </p:cNvPicPr>
+          <p:nvPr/>
+        </p:nvPicPr>
+        <p:blipFill>
+          <a:blip r:embed="rId2">
+            <a:extLst>
+              <a:ext uri="{28A0092B-C50C-407E-A947-70E740481C1C}">
+                <a14:useLocalDpi xmlns:a14="http://schemas.microsoft.com/office/drawing/2010/main" val="0"/>
+              </a:ext>
+            </a:extLst>
+          </a:blip>
+          <a:stretch>
+            <a:fillRect/>
+          </a:stretch>
+        </p:blipFill>
+        <p:spPr>
+          <a:xfrm>
+            <a:off x="1064568" y="1971728"/>
+            <a:ext cx="8193360" cy="4155962"/>
+          </a:xfrm>
+          <a:prstGeom prst="rect">
+            <a:avLst/>
+          </a:prstGeom>
+          <a:ln>
+            <a:solidFill>
+              <a:schemeClr val="bg1">
+                <a:lumMod val="85000"/>
+              </a:schemeClr>
+            </a:solidFill>
+          </a:ln>
+        </p:spPr>
+      </p:pic>
+    </p:spTree>
+    <p:extLst>
+      <p:ext uri="{BB962C8B-B14F-4D97-AF65-F5344CB8AC3E}">
+        <p14:creationId xmlns:p14="http://schemas.microsoft.com/office/powerpoint/2010/main" val="1001762266"/>
+      </p:ext>
+    </p:extLst>
+  </p:cSld>
+  <p:clrMapOvr>
+    <a:masterClrMapping/>
+  </p:clrMapOvr>
+  <p:timing>
+    <p:tnLst>
+      <p:par>
+        <p:cTn id="1" dur="indefinite" restart="never" nodeType="tmRoot"/>
+      </p:par>
+    </p:tnLst>
+  </p:timing>
+</p:sld>
+</file>
+
+<file path=ppt/slides/slide34.xml><?xml version="1.0" encoding="utf-8"?>
+<p:sld xmlns:a="http://schemas.openxmlformats.org/drawingml/2006/main" xmlns:r="http://schemas.openxmlformats.org/officeDocument/2006/relationships" xmlns:p="http://schemas.openxmlformats.org/presentationml/2006/main">
+  <p:cSld>
+    <p:spTree>
+      <p:nvGrpSpPr>
+        <p:cNvPr id="1" name=""/>
+        <p:cNvGrpSpPr/>
+        <p:nvPr/>
+      </p:nvGrpSpPr>
+      <p:grpSpPr>
+        <a:xfrm>
+          <a:off x="0" y="0"/>
+          <a:ext cx="0" cy="0"/>
+          <a:chOff x="0" y="0"/>
+          <a:chExt cx="0" cy="0"/>
+        </a:xfrm>
+      </p:grpSpPr>
+      <p:sp>
+        <p:nvSpPr>
+          <p:cNvPr id="2" name="제목 1"/>
+          <p:cNvSpPr>
+            <a:spLocks noGrp="1"/>
+          </p:cNvSpPr>
+          <p:nvPr>
+            <p:ph type="title"/>
+          </p:nvPr>
+        </p:nvSpPr>
+        <p:spPr>
+          <a:xfrm>
+            <a:off x="416497" y="197768"/>
+            <a:ext cx="6412780" cy="854968"/>
+          </a:xfrm>
+        </p:spPr>
+        <p:txBody>
+          <a:bodyPr>
+            <a:noAutofit/>
+          </a:bodyPr>
+          <a:lstStyle/>
+          <a:p>
+            <a:pPr algn="ctr"/>
+            <a:r>
+              <a:rPr lang="ko-KR" altLang="en-US" sz="2800" dirty="0" smtClean="0"/>
+              <a:t>아코디언 기능 구현</a:t>
+            </a:r>
+            <a:endParaRPr lang="ko-KR" altLang="en-US" sz="2800" dirty="0"/>
+          </a:p>
+        </p:txBody>
+      </p:sp>
+      <p:sp>
+        <p:nvSpPr>
+          <p:cNvPr id="4" name="슬라이드 번호 개체 틀 3"/>
+          <p:cNvSpPr>
+            <a:spLocks noGrp="1"/>
+          </p:cNvSpPr>
+          <p:nvPr>
+            <p:ph type="sldNum" sz="quarter" idx="12"/>
+          </p:nvPr>
+        </p:nvSpPr>
+        <p:spPr/>
+        <p:txBody>
+          <a:bodyPr/>
+          <a:lstStyle/>
+          <a:p>
+            <a:fld id="{1BDE3FE7-3AEA-4B05-AC5A-802D1816ACF0}" type="slidenum">
+              <a:rPr lang="ko-KR" altLang="en-US" smtClean="0"/>
+              <a:t>34</a:t>
+            </a:fld>
+            <a:endParaRPr lang="ko-KR" altLang="en-US"/>
+          </a:p>
+        </p:txBody>
+      </p:sp>
+      <p:pic>
+        <p:nvPicPr>
+          <p:cNvPr id="8" name="그림 7"/>
+          <p:cNvPicPr>
+            <a:picLocks noChangeAspect="1"/>
+          </p:cNvPicPr>
+          <p:nvPr/>
+        </p:nvPicPr>
+        <p:blipFill>
+          <a:blip r:embed="rId2">
+            <a:extLst>
+              <a:ext uri="{28A0092B-C50C-407E-A947-70E740481C1C}">
+                <a14:useLocalDpi xmlns:a14="http://schemas.microsoft.com/office/drawing/2010/main" val="0"/>
+              </a:ext>
+            </a:extLst>
+          </a:blip>
+          <a:stretch>
+            <a:fillRect/>
+          </a:stretch>
+        </p:blipFill>
+        <p:spPr>
+          <a:xfrm>
+            <a:off x="776536" y="1816083"/>
+            <a:ext cx="8255151" cy="3629139"/>
+          </a:xfrm>
+          <a:prstGeom prst="rect">
+            <a:avLst/>
+          </a:prstGeom>
+          <a:ln>
+            <a:solidFill>
+              <a:schemeClr val="bg1">
+                <a:lumMod val="85000"/>
+              </a:schemeClr>
+            </a:solidFill>
+          </a:ln>
+        </p:spPr>
+      </p:pic>
+      <p:sp>
+        <p:nvSpPr>
+          <p:cNvPr id="6" name="TextBox 5"/>
+          <p:cNvSpPr txBox="1"/>
+          <p:nvPr/>
+        </p:nvSpPr>
+        <p:spPr>
+          <a:xfrm>
+            <a:off x="7329264" y="1628798"/>
+            <a:ext cx="1296144" cy="374571"/>
+          </a:xfrm>
+          <a:prstGeom prst="roundRect">
+            <a:avLst/>
+          </a:prstGeom>
+          <a:ln w="19050"/>
+        </p:spPr>
+        <p:style>
+          <a:lnRef idx="2">
+            <a:schemeClr val="accent1"/>
+          </a:lnRef>
+          <a:fillRef idx="1">
+            <a:schemeClr val="lt1"/>
+          </a:fillRef>
+          <a:effectRef idx="0">
+            <a:schemeClr val="accent1"/>
+          </a:effectRef>
+          <a:fontRef idx="minor">
+            <a:schemeClr val="dk1"/>
+          </a:fontRef>
+        </p:style>
+        <p:txBody>
+          <a:bodyPr wrap="square" rtlCol="0">
+            <a:spAutoFit/>
+          </a:bodyPr>
+          <a:lstStyle/>
+          <a:p>
+            <a:pPr algn="ctr"/>
+            <a:r>
+              <a:rPr lang="en-US" altLang="ko-KR" sz="1600" dirty="0" smtClean="0"/>
+              <a:t>faq.html</a:t>
+            </a:r>
+            <a:endParaRPr lang="ko-KR" altLang="en-US" sz="1600" dirty="0"/>
+          </a:p>
+        </p:txBody>
+      </p:sp>
+    </p:spTree>
+    <p:extLst>
+      <p:ext uri="{BB962C8B-B14F-4D97-AF65-F5344CB8AC3E}">
+        <p14:creationId xmlns:p14="http://schemas.microsoft.com/office/powerpoint/2010/main" val="2776063292"/>
+      </p:ext>
+    </p:extLst>
+  </p:cSld>
+  <p:clrMapOvr>
+    <a:masterClrMapping/>
+  </p:clrMapOvr>
+  <p:timing>
+    <p:tnLst>
+      <p:par>
+        <p:cTn id="1" dur="indefinite" restart="never" nodeType="tmRoot"/>
+      </p:par>
+    </p:tnLst>
+  </p:timing>
+</p:sld>
+</file>
+
+<file path=ppt/slides/slide35.xml><?xml version="1.0" encoding="utf-8"?>
+<p:sld xmlns:a="http://schemas.openxmlformats.org/drawingml/2006/main" xmlns:r="http://schemas.openxmlformats.org/officeDocument/2006/relationships" xmlns:p="http://schemas.openxmlformats.org/presentationml/2006/main">
+  <p:cSld>
+    <p:spTree>
+      <p:nvGrpSpPr>
+        <p:cNvPr id="1" name=""/>
+        <p:cNvGrpSpPr/>
+        <p:nvPr/>
+      </p:nvGrpSpPr>
+      <p:grpSpPr>
+        <a:xfrm>
+          <a:off x="0" y="0"/>
+          <a:ext cx="0" cy="0"/>
+          <a:chOff x="0" y="0"/>
+          <a:chExt cx="0" cy="0"/>
+        </a:xfrm>
+      </p:grpSpPr>
+      <p:sp>
+        <p:nvSpPr>
+          <p:cNvPr id="2" name="제목 1"/>
+          <p:cNvSpPr>
+            <a:spLocks noGrp="1"/>
+          </p:cNvSpPr>
+          <p:nvPr>
+            <p:ph type="title"/>
+          </p:nvPr>
+        </p:nvSpPr>
+        <p:spPr>
+          <a:xfrm>
+            <a:off x="416497" y="197768"/>
+            <a:ext cx="6412780" cy="854968"/>
+          </a:xfrm>
+        </p:spPr>
+        <p:txBody>
+          <a:bodyPr>
+            <a:noAutofit/>
+          </a:bodyPr>
+          <a:lstStyle/>
+          <a:p>
+            <a:pPr algn="ctr"/>
+            <a:r>
+              <a:rPr lang="ko-KR" altLang="en-US" sz="2800" dirty="0" smtClean="0"/>
+              <a:t>아코디언 기능 구현</a:t>
+            </a:r>
+            <a:endParaRPr lang="ko-KR" altLang="en-US" sz="2800" dirty="0"/>
+          </a:p>
+        </p:txBody>
+      </p:sp>
+      <p:sp>
+        <p:nvSpPr>
+          <p:cNvPr id="4" name="슬라이드 번호 개체 틀 3"/>
+          <p:cNvSpPr>
+            <a:spLocks noGrp="1"/>
+          </p:cNvSpPr>
+          <p:nvPr>
+            <p:ph type="sldNum" sz="quarter" idx="12"/>
+          </p:nvPr>
+        </p:nvSpPr>
+        <p:spPr/>
+        <p:txBody>
+          <a:bodyPr/>
+          <a:lstStyle/>
+          <a:p>
+            <a:fld id="{1BDE3FE7-3AEA-4B05-AC5A-802D1816ACF0}" type="slidenum">
+              <a:rPr lang="ko-KR" altLang="en-US" smtClean="0"/>
+              <a:t>35</a:t>
+            </a:fld>
+            <a:endParaRPr lang="ko-KR" altLang="en-US"/>
+          </a:p>
+        </p:txBody>
+      </p:sp>
+      <p:pic>
+        <p:nvPicPr>
+          <p:cNvPr id="7" name="그림 6"/>
+          <p:cNvPicPr>
+            <a:picLocks noChangeAspect="1"/>
+          </p:cNvPicPr>
+          <p:nvPr/>
+        </p:nvPicPr>
+        <p:blipFill>
+          <a:blip r:embed="rId2">
+            <a:extLst>
+              <a:ext uri="{28A0092B-C50C-407E-A947-70E740481C1C}">
+                <a14:useLocalDpi xmlns:a14="http://schemas.microsoft.com/office/drawing/2010/main" val="0"/>
+              </a:ext>
+            </a:extLst>
+          </a:blip>
+          <a:stretch>
+            <a:fillRect/>
+          </a:stretch>
+        </p:blipFill>
+        <p:spPr>
+          <a:xfrm>
+            <a:off x="1136576" y="1700808"/>
+            <a:ext cx="7438179" cy="3744002"/>
+          </a:xfrm>
+          <a:prstGeom prst="rect">
+            <a:avLst/>
+          </a:prstGeom>
+          <a:ln>
+            <a:solidFill>
+              <a:schemeClr val="bg1">
+                <a:lumMod val="85000"/>
+              </a:schemeClr>
+            </a:solidFill>
+          </a:ln>
+        </p:spPr>
+      </p:pic>
+    </p:spTree>
+    <p:extLst>
+      <p:ext uri="{BB962C8B-B14F-4D97-AF65-F5344CB8AC3E}">
+        <p14:creationId xmlns:p14="http://schemas.microsoft.com/office/powerpoint/2010/main" val="1553241741"/>
+      </p:ext>
+    </p:extLst>
+  </p:cSld>
+  <p:clrMapOvr>
+    <a:masterClrMapping/>
+  </p:clrMapOvr>
+  <p:timing>
+    <p:tnLst>
+      <p:par>
+        <p:cTn id="1" dur="indefinite" restart="never" nodeType="tmRoot"/>
+      </p:par>
+    </p:tnLst>
+  </p:timing>
+</p:sld>
+</file>
+
+<file path=ppt/slides/slide36.xml><?xml version="1.0" encoding="utf-8"?>
+<p:sld xmlns:a="http://schemas.openxmlformats.org/drawingml/2006/main" xmlns:r="http://schemas.openxmlformats.org/officeDocument/2006/relationships" xmlns:p="http://schemas.openxmlformats.org/presentationml/2006/main">
+  <p:cSld>
+    <p:spTree>
+      <p:nvGrpSpPr>
+        <p:cNvPr id="1" name=""/>
+        <p:cNvGrpSpPr/>
+        <p:nvPr/>
+      </p:nvGrpSpPr>
+      <p:grpSpPr>
+        <a:xfrm>
+          <a:off x="0" y="0"/>
+          <a:ext cx="0" cy="0"/>
+          <a:chOff x="0" y="0"/>
+          <a:chExt cx="0" cy="0"/>
+        </a:xfrm>
+      </p:grpSpPr>
+      <p:sp>
+        <p:nvSpPr>
+          <p:cNvPr id="2" name="제목 1"/>
+          <p:cNvSpPr>
+            <a:spLocks noGrp="1"/>
+          </p:cNvSpPr>
+          <p:nvPr>
+            <p:ph type="title"/>
+          </p:nvPr>
+        </p:nvSpPr>
+        <p:spPr>
+          <a:xfrm>
+            <a:off x="416497" y="197768"/>
+            <a:ext cx="6412780" cy="854968"/>
+          </a:xfrm>
+        </p:spPr>
+        <p:txBody>
+          <a:bodyPr>
+            <a:noAutofit/>
+          </a:bodyPr>
+          <a:lstStyle/>
+          <a:p>
+            <a:pPr algn="ctr"/>
+            <a:r>
+              <a:rPr lang="ko-KR" altLang="en-US" sz="2800" dirty="0" smtClean="0"/>
+              <a:t>아코디언 기능 구현</a:t>
+            </a:r>
+            <a:endParaRPr lang="ko-KR" altLang="en-US" sz="2800" dirty="0"/>
+          </a:p>
+        </p:txBody>
+      </p:sp>
+      <p:sp>
+        <p:nvSpPr>
+          <p:cNvPr id="4" name="슬라이드 번호 개체 틀 3"/>
+          <p:cNvSpPr>
+            <a:spLocks noGrp="1"/>
+          </p:cNvSpPr>
+          <p:nvPr>
+            <p:ph type="sldNum" sz="quarter" idx="12"/>
+          </p:nvPr>
+        </p:nvSpPr>
+        <p:spPr/>
+        <p:txBody>
+          <a:bodyPr/>
+          <a:lstStyle/>
+          <a:p>
+            <a:fld id="{1BDE3FE7-3AEA-4B05-AC5A-802D1816ACF0}" type="slidenum">
+              <a:rPr lang="ko-KR" altLang="en-US" smtClean="0"/>
+              <a:t>36</a:t>
+            </a:fld>
+            <a:endParaRPr lang="ko-KR" altLang="en-US"/>
+          </a:p>
+        </p:txBody>
+      </p:sp>
+      <p:pic>
+        <p:nvPicPr>
+          <p:cNvPr id="3" name="그림 2"/>
+          <p:cNvPicPr>
+            <a:picLocks noChangeAspect="1"/>
+          </p:cNvPicPr>
+          <p:nvPr/>
+        </p:nvPicPr>
+        <p:blipFill>
+          <a:blip r:embed="rId2">
+            <a:extLst>
+              <a:ext uri="{28A0092B-C50C-407E-A947-70E740481C1C}">
+                <a14:useLocalDpi xmlns:a14="http://schemas.microsoft.com/office/drawing/2010/main" val="0"/>
+              </a:ext>
+            </a:extLst>
+          </a:blip>
+          <a:stretch>
+            <a:fillRect/>
+          </a:stretch>
+        </p:blipFill>
+        <p:spPr>
+          <a:xfrm>
+            <a:off x="563113" y="1628800"/>
+            <a:ext cx="8847587" cy="3825572"/>
+          </a:xfrm>
+          <a:prstGeom prst="rect">
+            <a:avLst/>
+          </a:prstGeom>
+          <a:ln>
+            <a:solidFill>
+              <a:schemeClr val="bg1">
+                <a:lumMod val="85000"/>
+              </a:schemeClr>
+            </a:solidFill>
+          </a:ln>
+        </p:spPr>
+      </p:pic>
+      <p:sp>
+        <p:nvSpPr>
+          <p:cNvPr id="6" name="TextBox 5"/>
+          <p:cNvSpPr txBox="1"/>
+          <p:nvPr/>
+        </p:nvSpPr>
+        <p:spPr>
+          <a:xfrm>
+            <a:off x="6681192" y="2132856"/>
+            <a:ext cx="1296144" cy="374571"/>
+          </a:xfrm>
+          <a:prstGeom prst="roundRect">
+            <a:avLst/>
+          </a:prstGeom>
+          <a:ln w="19050"/>
+        </p:spPr>
+        <p:style>
+          <a:lnRef idx="2">
+            <a:schemeClr val="accent1"/>
+          </a:lnRef>
+          <a:fillRef idx="1">
+            <a:schemeClr val="lt1"/>
+          </a:fillRef>
+          <a:effectRef idx="0">
+            <a:schemeClr val="accent1"/>
+          </a:effectRef>
+          <a:fontRef idx="minor">
+            <a:schemeClr val="dk1"/>
+          </a:fontRef>
+        </p:style>
+        <p:txBody>
+          <a:bodyPr wrap="square" rtlCol="0">
+            <a:spAutoFit/>
+          </a:bodyPr>
+          <a:lstStyle/>
+          <a:p>
+            <a:pPr algn="ctr"/>
+            <a:r>
+              <a:rPr lang="en-US" altLang="ko-KR" sz="1600" dirty="0"/>
+              <a:t>u</a:t>
+            </a:r>
+            <a:r>
+              <a:rPr lang="en-US" altLang="ko-KR" sz="1600" dirty="0" smtClean="0"/>
+              <a:t>i.css</a:t>
+            </a:r>
+            <a:endParaRPr lang="ko-KR" altLang="en-US" sz="1600" dirty="0"/>
+          </a:p>
+        </p:txBody>
+      </p:sp>
+    </p:spTree>
+    <p:extLst>
+      <p:ext uri="{BB962C8B-B14F-4D97-AF65-F5344CB8AC3E}">
+        <p14:creationId xmlns:p14="http://schemas.microsoft.com/office/powerpoint/2010/main" val="1421290367"/>
+      </p:ext>
+    </p:extLst>
+  </p:cSld>
+  <p:clrMapOvr>
+    <a:masterClrMapping/>
+  </p:clrMapOvr>
+  <p:timing>
+    <p:tnLst>
+      <p:par>
+        <p:cTn id="1" dur="indefinite" restart="never" nodeType="tmRoot"/>
       </p:par>
     </p:tnLst>
   </p:timing>
